--- a/Project5-Capstone/Beerology/Ninkasi Capstone Presentation.pptx
+++ b/Project5-Capstone/Beerology/Ninkasi Capstone Presentation.pptx
@@ -510,7 +510,7 @@
   <p:cSld>
     <p:spTree>
       <p:nvGrpSpPr>
-        <p:cNvPr id="160" name="Shape 160"/>
+        <p:cNvPr id="159" name="Shape 159"/>
         <p:cNvGrpSpPr/>
         <p:nvPr/>
       </p:nvGrpSpPr>
@@ -524,7 +524,7 @@
       </p:grpSpPr>
       <p:sp>
         <p:nvSpPr>
-          <p:cNvPr id="161" name="Shape 161"/>
+          <p:cNvPr id="160" name="Shape 160"/>
           <p:cNvSpPr/>
           <p:nvPr>
             <p:ph idx="2" type="sldImg"/>
@@ -558,7 +558,7 @@
       </p:sp>
       <p:sp>
         <p:nvSpPr>
-          <p:cNvPr id="162" name="Shape 162"/>
+          <p:cNvPr id="161" name="Shape 161"/>
           <p:cNvSpPr txBox="1"/>
           <p:nvPr>
             <p:ph idx="1" type="body"/>
@@ -605,7 +605,7 @@
   <p:cSld>
     <p:spTree>
       <p:nvGrpSpPr>
-        <p:cNvPr id="166" name="Shape 166"/>
+        <p:cNvPr id="165" name="Shape 165"/>
         <p:cNvGrpSpPr/>
         <p:nvPr/>
       </p:nvGrpSpPr>
@@ -619,7 +619,7 @@
       </p:grpSpPr>
       <p:sp>
         <p:nvSpPr>
-          <p:cNvPr id="167" name="Shape 167"/>
+          <p:cNvPr id="166" name="Shape 166"/>
           <p:cNvSpPr txBox="1"/>
           <p:nvPr>
             <p:ph idx="1" type="body"/>
@@ -659,7 +659,7 @@
       </p:sp>
       <p:sp>
         <p:nvSpPr>
-          <p:cNvPr id="168" name="Shape 168"/>
+          <p:cNvPr id="167" name="Shape 167"/>
           <p:cNvSpPr/>
           <p:nvPr>
             <p:ph idx="2" type="sldImg"/>
@@ -704,7 +704,7 @@
   <p:cSld>
     <p:spTree>
       <p:nvGrpSpPr>
-        <p:cNvPr id="173" name="Shape 173"/>
+        <p:cNvPr id="172" name="Shape 172"/>
         <p:cNvGrpSpPr/>
         <p:nvPr/>
       </p:nvGrpSpPr>
@@ -718,7 +718,7 @@
       </p:grpSpPr>
       <p:sp>
         <p:nvSpPr>
-          <p:cNvPr id="174" name="Shape 174"/>
+          <p:cNvPr id="173" name="Shape 173"/>
           <p:cNvSpPr txBox="1"/>
           <p:nvPr>
             <p:ph idx="1" type="body"/>
@@ -758,7 +758,7 @@
       </p:sp>
       <p:sp>
         <p:nvSpPr>
-          <p:cNvPr id="175" name="Shape 175"/>
+          <p:cNvPr id="174" name="Shape 174"/>
           <p:cNvSpPr/>
           <p:nvPr>
             <p:ph idx="2" type="sldImg"/>
@@ -803,7 +803,7 @@
   <p:cSld>
     <p:spTree>
       <p:nvGrpSpPr>
-        <p:cNvPr id="179" name="Shape 179"/>
+        <p:cNvPr id="178" name="Shape 178"/>
         <p:cNvGrpSpPr/>
         <p:nvPr/>
       </p:nvGrpSpPr>
@@ -817,7 +817,7 @@
       </p:grpSpPr>
       <p:sp>
         <p:nvSpPr>
-          <p:cNvPr id="180" name="Shape 180"/>
+          <p:cNvPr id="179" name="Shape 179"/>
           <p:cNvSpPr txBox="1"/>
           <p:nvPr>
             <p:ph idx="1" type="body"/>
@@ -857,7 +857,7 @@
       </p:sp>
       <p:sp>
         <p:nvSpPr>
-          <p:cNvPr id="181" name="Shape 181"/>
+          <p:cNvPr id="180" name="Shape 180"/>
           <p:cNvSpPr/>
           <p:nvPr>
             <p:ph idx="2" type="sldImg"/>
@@ -902,7 +902,7 @@
   <p:cSld>
     <p:spTree>
       <p:nvGrpSpPr>
-        <p:cNvPr id="186" name="Shape 186"/>
+        <p:cNvPr id="185" name="Shape 185"/>
         <p:cNvGrpSpPr/>
         <p:nvPr/>
       </p:nvGrpSpPr>
@@ -916,7 +916,7 @@
       </p:grpSpPr>
       <p:sp>
         <p:nvSpPr>
-          <p:cNvPr id="187" name="Shape 187"/>
+          <p:cNvPr id="186" name="Shape 186"/>
           <p:cNvSpPr txBox="1"/>
           <p:nvPr>
             <p:ph idx="1" type="body"/>
@@ -956,7 +956,7 @@
       </p:sp>
       <p:sp>
         <p:nvSpPr>
-          <p:cNvPr id="188" name="Shape 188"/>
+          <p:cNvPr id="187" name="Shape 187"/>
           <p:cNvSpPr/>
           <p:nvPr>
             <p:ph idx="2" type="sldImg"/>
@@ -1001,7 +1001,7 @@
   <p:cSld>
     <p:spTree>
       <p:nvGrpSpPr>
-        <p:cNvPr id="194" name="Shape 194"/>
+        <p:cNvPr id="193" name="Shape 193"/>
         <p:cNvGrpSpPr/>
         <p:nvPr/>
       </p:nvGrpSpPr>
@@ -1015,7 +1015,7 @@
       </p:grpSpPr>
       <p:sp>
         <p:nvSpPr>
-          <p:cNvPr id="195" name="Shape 195"/>
+          <p:cNvPr id="194" name="Shape 194"/>
           <p:cNvSpPr txBox="1"/>
           <p:nvPr>
             <p:ph idx="1" type="body"/>
@@ -1055,7 +1055,7 @@
       </p:sp>
       <p:sp>
         <p:nvSpPr>
-          <p:cNvPr id="196" name="Shape 196"/>
+          <p:cNvPr id="195" name="Shape 195"/>
           <p:cNvSpPr/>
           <p:nvPr>
             <p:ph idx="2" type="sldImg"/>
@@ -1100,7 +1100,7 @@
   <p:cSld>
     <p:spTree>
       <p:nvGrpSpPr>
-        <p:cNvPr id="202" name="Shape 202"/>
+        <p:cNvPr id="201" name="Shape 201"/>
         <p:cNvGrpSpPr/>
         <p:nvPr/>
       </p:nvGrpSpPr>
@@ -1114,7 +1114,7 @@
       </p:grpSpPr>
       <p:sp>
         <p:nvSpPr>
-          <p:cNvPr id="203" name="Shape 203"/>
+          <p:cNvPr id="202" name="Shape 202"/>
           <p:cNvSpPr txBox="1"/>
           <p:nvPr>
             <p:ph idx="1" type="body"/>
@@ -1154,7 +1154,7 @@
       </p:sp>
       <p:sp>
         <p:nvSpPr>
-          <p:cNvPr id="204" name="Shape 204"/>
+          <p:cNvPr id="203" name="Shape 203"/>
           <p:cNvSpPr/>
           <p:nvPr>
             <p:ph idx="2" type="sldImg"/>
@@ -1199,7 +1199,7 @@
   <p:cSld>
     <p:spTree>
       <p:nvGrpSpPr>
-        <p:cNvPr id="209" name="Shape 209"/>
+        <p:cNvPr id="208" name="Shape 208"/>
         <p:cNvGrpSpPr/>
         <p:nvPr/>
       </p:nvGrpSpPr>
@@ -1213,7 +1213,7 @@
       </p:grpSpPr>
       <p:sp>
         <p:nvSpPr>
-          <p:cNvPr id="210" name="Shape 210"/>
+          <p:cNvPr id="209" name="Shape 209"/>
           <p:cNvSpPr txBox="1"/>
           <p:nvPr>
             <p:ph idx="1" type="body"/>
@@ -1253,7 +1253,7 @@
       </p:sp>
       <p:sp>
         <p:nvSpPr>
-          <p:cNvPr id="211" name="Shape 211"/>
+          <p:cNvPr id="210" name="Shape 210"/>
           <p:cNvSpPr/>
           <p:nvPr>
             <p:ph idx="2" type="sldImg"/>
@@ -1298,7 +1298,7 @@
   <p:cSld>
     <p:spTree>
       <p:nvGrpSpPr>
-        <p:cNvPr id="216" name="Shape 216"/>
+        <p:cNvPr id="215" name="Shape 215"/>
         <p:cNvGrpSpPr/>
         <p:nvPr/>
       </p:nvGrpSpPr>
@@ -1312,7 +1312,7 @@
       </p:grpSpPr>
       <p:sp>
         <p:nvSpPr>
-          <p:cNvPr id="217" name="Shape 217"/>
+          <p:cNvPr id="216" name="Shape 216"/>
           <p:cNvSpPr txBox="1"/>
           <p:nvPr>
             <p:ph idx="1" type="body"/>
@@ -1352,7 +1352,7 @@
       </p:sp>
       <p:sp>
         <p:nvSpPr>
-          <p:cNvPr id="218" name="Shape 218"/>
+          <p:cNvPr id="217" name="Shape 217"/>
           <p:cNvSpPr/>
           <p:nvPr>
             <p:ph idx="2" type="sldImg"/>
@@ -1397,7 +1397,7 @@
   <p:cSld>
     <p:spTree>
       <p:nvGrpSpPr>
-        <p:cNvPr id="224" name="Shape 224"/>
+        <p:cNvPr id="223" name="Shape 223"/>
         <p:cNvGrpSpPr/>
         <p:nvPr/>
       </p:nvGrpSpPr>
@@ -1411,7 +1411,7 @@
       </p:grpSpPr>
       <p:sp>
         <p:nvSpPr>
-          <p:cNvPr id="225" name="Shape 225"/>
+          <p:cNvPr id="224" name="Shape 224"/>
           <p:cNvSpPr txBox="1"/>
           <p:nvPr>
             <p:ph idx="1" type="body"/>
@@ -1451,7 +1451,7 @@
       </p:sp>
       <p:sp>
         <p:nvSpPr>
-          <p:cNvPr id="226" name="Shape 226"/>
+          <p:cNvPr id="225" name="Shape 225"/>
           <p:cNvSpPr/>
           <p:nvPr>
             <p:ph idx="2" type="sldImg"/>
@@ -1591,7 +1591,7 @@
   <p:cSld>
     <p:spTree>
       <p:nvGrpSpPr>
-        <p:cNvPr id="232" name="Shape 232"/>
+        <p:cNvPr id="231" name="Shape 231"/>
         <p:cNvGrpSpPr/>
         <p:nvPr/>
       </p:nvGrpSpPr>
@@ -1605,7 +1605,7 @@
       </p:grpSpPr>
       <p:sp>
         <p:nvSpPr>
-          <p:cNvPr id="233" name="Shape 233"/>
+          <p:cNvPr id="232" name="Shape 232"/>
           <p:cNvSpPr/>
           <p:nvPr>
             <p:ph idx="2" type="sldImg"/>
@@ -1639,7 +1639,7 @@
       </p:sp>
       <p:sp>
         <p:nvSpPr>
-          <p:cNvPr id="234" name="Shape 234"/>
+          <p:cNvPr id="233" name="Shape 233"/>
           <p:cNvSpPr txBox="1"/>
           <p:nvPr>
             <p:ph idx="1" type="body"/>
@@ -1686,7 +1686,7 @@
   <p:cSld>
     <p:spTree>
       <p:nvGrpSpPr>
-        <p:cNvPr id="238" name="Shape 238"/>
+        <p:cNvPr id="237" name="Shape 237"/>
         <p:cNvGrpSpPr/>
         <p:nvPr/>
       </p:nvGrpSpPr>
@@ -1700,7 +1700,7 @@
       </p:grpSpPr>
       <p:sp>
         <p:nvSpPr>
-          <p:cNvPr id="239" name="Shape 239"/>
+          <p:cNvPr id="238" name="Shape 238"/>
           <p:cNvSpPr txBox="1"/>
           <p:nvPr>
             <p:ph idx="1" type="body"/>
@@ -1740,7 +1740,7 @@
       </p:sp>
       <p:sp>
         <p:nvSpPr>
-          <p:cNvPr id="240" name="Shape 240"/>
+          <p:cNvPr id="239" name="Shape 239"/>
           <p:cNvSpPr/>
           <p:nvPr>
             <p:ph idx="2" type="sldImg"/>
@@ -1785,7 +1785,7 @@
   <p:cSld>
     <p:spTree>
       <p:nvGrpSpPr>
-        <p:cNvPr id="245" name="Shape 245"/>
+        <p:cNvPr id="244" name="Shape 244"/>
         <p:cNvGrpSpPr/>
         <p:nvPr/>
       </p:nvGrpSpPr>
@@ -1799,7 +1799,7 @@
       </p:grpSpPr>
       <p:sp>
         <p:nvSpPr>
-          <p:cNvPr id="246" name="Shape 246"/>
+          <p:cNvPr id="245" name="Shape 245"/>
           <p:cNvSpPr txBox="1"/>
           <p:nvPr>
             <p:ph idx="1" type="body"/>
@@ -1839,7 +1839,7 @@
       </p:sp>
       <p:sp>
         <p:nvSpPr>
-          <p:cNvPr id="247" name="Shape 247"/>
+          <p:cNvPr id="246" name="Shape 246"/>
           <p:cNvSpPr/>
           <p:nvPr>
             <p:ph idx="2" type="sldImg"/>
@@ -1884,7 +1884,7 @@
   <p:cSld>
     <p:spTree>
       <p:nvGrpSpPr>
-        <p:cNvPr id="252" name="Shape 252"/>
+        <p:cNvPr id="251" name="Shape 251"/>
         <p:cNvGrpSpPr/>
         <p:nvPr/>
       </p:nvGrpSpPr>
@@ -1898,7 +1898,7 @@
       </p:grpSpPr>
       <p:sp>
         <p:nvSpPr>
-          <p:cNvPr id="253" name="Shape 253"/>
+          <p:cNvPr id="252" name="Shape 252"/>
           <p:cNvSpPr txBox="1"/>
           <p:nvPr>
             <p:ph idx="1" type="body"/>
@@ -1938,7 +1938,7 @@
       </p:sp>
       <p:sp>
         <p:nvSpPr>
-          <p:cNvPr id="254" name="Shape 254"/>
+          <p:cNvPr id="253" name="Shape 253"/>
           <p:cNvSpPr/>
           <p:nvPr>
             <p:ph idx="2" type="sldImg"/>
@@ -1983,7 +1983,7 @@
   <p:cSld>
     <p:spTree>
       <p:nvGrpSpPr>
-        <p:cNvPr id="262" name="Shape 262"/>
+        <p:cNvPr id="261" name="Shape 261"/>
         <p:cNvGrpSpPr/>
         <p:nvPr/>
       </p:nvGrpSpPr>
@@ -1997,7 +1997,7 @@
       </p:grpSpPr>
       <p:sp>
         <p:nvSpPr>
-          <p:cNvPr id="263" name="Shape 263"/>
+          <p:cNvPr id="262" name="Shape 262"/>
           <p:cNvSpPr txBox="1"/>
           <p:nvPr>
             <p:ph idx="1" type="body"/>
@@ -2037,7 +2037,7 @@
       </p:sp>
       <p:sp>
         <p:nvSpPr>
-          <p:cNvPr id="264" name="Shape 264"/>
+          <p:cNvPr id="263" name="Shape 263"/>
           <p:cNvSpPr/>
           <p:nvPr>
             <p:ph idx="2" type="sldImg"/>
@@ -2082,7 +2082,7 @@
   <p:cSld>
     <p:spTree>
       <p:nvGrpSpPr>
-        <p:cNvPr id="270" name="Shape 270"/>
+        <p:cNvPr id="269" name="Shape 269"/>
         <p:cNvGrpSpPr/>
         <p:nvPr/>
       </p:nvGrpSpPr>
@@ -2096,7 +2096,7 @@
       </p:grpSpPr>
       <p:sp>
         <p:nvSpPr>
-          <p:cNvPr id="271" name="Shape 271"/>
+          <p:cNvPr id="270" name="Shape 270"/>
           <p:cNvSpPr/>
           <p:nvPr>
             <p:ph idx="2" type="sldImg"/>
@@ -2130,7 +2130,7 @@
       </p:sp>
       <p:sp>
         <p:nvSpPr>
-          <p:cNvPr id="272" name="Shape 272"/>
+          <p:cNvPr id="271" name="Shape 271"/>
           <p:cNvSpPr txBox="1"/>
           <p:nvPr>
             <p:ph idx="1" type="body"/>
@@ -2177,7 +2177,7 @@
   <p:cSld>
     <p:spTree>
       <p:nvGrpSpPr>
-        <p:cNvPr id="277" name="Shape 277"/>
+        <p:cNvPr id="276" name="Shape 276"/>
         <p:cNvGrpSpPr/>
         <p:nvPr/>
       </p:nvGrpSpPr>
@@ -2191,7 +2191,7 @@
       </p:grpSpPr>
       <p:sp>
         <p:nvSpPr>
-          <p:cNvPr id="278" name="Shape 278"/>
+          <p:cNvPr id="277" name="Shape 277"/>
           <p:cNvSpPr txBox="1"/>
           <p:nvPr>
             <p:ph idx="1" type="body"/>
@@ -2231,7 +2231,7 @@
       </p:sp>
       <p:sp>
         <p:nvSpPr>
-          <p:cNvPr id="279" name="Shape 279"/>
+          <p:cNvPr id="278" name="Shape 278"/>
           <p:cNvSpPr/>
           <p:nvPr>
             <p:ph idx="2" type="sldImg"/>
@@ -2276,7 +2276,7 @@
   <p:cSld>
     <p:spTree>
       <p:nvGrpSpPr>
-        <p:cNvPr id="284" name="Shape 284"/>
+        <p:cNvPr id="283" name="Shape 283"/>
         <p:cNvGrpSpPr/>
         <p:nvPr/>
       </p:nvGrpSpPr>
@@ -2290,7 +2290,7 @@
       </p:grpSpPr>
       <p:sp>
         <p:nvSpPr>
-          <p:cNvPr id="285" name="Shape 285"/>
+          <p:cNvPr id="284" name="Shape 284"/>
           <p:cNvSpPr txBox="1"/>
           <p:nvPr>
             <p:ph idx="1" type="body"/>
@@ -2330,7 +2330,7 @@
       </p:sp>
       <p:sp>
         <p:nvSpPr>
-          <p:cNvPr id="286" name="Shape 286"/>
+          <p:cNvPr id="285" name="Shape 285"/>
           <p:cNvSpPr/>
           <p:nvPr>
             <p:ph idx="2" type="sldImg"/>
@@ -14054,7 +14054,7 @@
   <p:cSld>
     <p:spTree>
       <p:nvGrpSpPr>
-        <p:cNvPr id="163" name="Shape 163"/>
+        <p:cNvPr id="162" name="Shape 162"/>
         <p:cNvGrpSpPr/>
         <p:nvPr/>
       </p:nvGrpSpPr>
@@ -14068,7 +14068,7 @@
       </p:grpSpPr>
       <p:sp>
         <p:nvSpPr>
-          <p:cNvPr id="164" name="Shape 164"/>
+          <p:cNvPr id="163" name="Shape 163"/>
           <p:cNvSpPr txBox="1"/>
           <p:nvPr>
             <p:ph idx="4294967295" type="title"/>
@@ -14112,7 +14112,7 @@
       </p:sp>
       <p:sp>
         <p:nvSpPr>
-          <p:cNvPr id="165" name="Shape 165"/>
+          <p:cNvPr id="164" name="Shape 164"/>
           <p:cNvSpPr/>
           <p:nvPr/>
         </p:nvSpPr>
@@ -14166,7 +14166,7 @@
   <p:cSld>
     <p:spTree>
       <p:nvGrpSpPr>
-        <p:cNvPr id="169" name="Shape 169"/>
+        <p:cNvPr id="168" name="Shape 168"/>
         <p:cNvGrpSpPr/>
         <p:nvPr/>
       </p:nvGrpSpPr>
@@ -14180,7 +14180,7 @@
       </p:grpSpPr>
       <p:sp>
         <p:nvSpPr>
-          <p:cNvPr id="170" name="Shape 170"/>
+          <p:cNvPr id="169" name="Shape 169"/>
           <p:cNvSpPr txBox="1"/>
           <p:nvPr>
             <p:ph type="title"/>
@@ -14245,7 +14245,7 @@
       </p:sp>
       <p:sp>
         <p:nvSpPr>
-          <p:cNvPr id="171" name="Shape 171"/>
+          <p:cNvPr id="170" name="Shape 170"/>
           <p:cNvSpPr txBox="1"/>
           <p:nvPr>
             <p:ph idx="1" type="body"/>
@@ -14369,7 +14369,7 @@
                 <a:cs typeface="Calibri"/>
                 <a:sym typeface="Calibri"/>
               </a:rPr>
-              <a:t>~270,000 reviews</a:t>
+              <a:t>Weighted Average out of 5.0, Estimated Calories, ABV, Overall Score out of 100, Style Score out of 100, IBU (Many Missing Values)</a:t>
             </a:r>
           </a:p>
           <a:p>
@@ -14436,7 +14436,7 @@
       </p:sp>
       <p:sp>
         <p:nvSpPr>
-          <p:cNvPr id="172" name="Shape 172"/>
+          <p:cNvPr id="171" name="Shape 171"/>
           <p:cNvSpPr/>
           <p:nvPr/>
         </p:nvSpPr>
@@ -14490,7 +14490,7 @@
   <p:cSld>
     <p:spTree>
       <p:nvGrpSpPr>
-        <p:cNvPr id="176" name="Shape 176"/>
+        <p:cNvPr id="175" name="Shape 175"/>
         <p:cNvGrpSpPr/>
         <p:nvPr/>
       </p:nvGrpSpPr>
@@ -14504,7 +14504,7 @@
       </p:grpSpPr>
       <p:pic>
         <p:nvPicPr>
-          <p:cNvPr descr="Screen Shot 2016-12-19 at 4.27.30 AM.png" id="177" name="Shape 177"/>
+          <p:cNvPr descr="Screen Shot 2016-12-19 at 4.27.30 AM.png" id="176" name="Shape 176"/>
           <p:cNvPicPr preferRelativeResize="0"/>
           <p:nvPr/>
         </p:nvPicPr>
@@ -14532,7 +14532,7 @@
       </p:pic>
       <p:sp>
         <p:nvSpPr>
-          <p:cNvPr id="178" name="Shape 178"/>
+          <p:cNvPr id="177" name="Shape 177"/>
           <p:cNvSpPr/>
           <p:nvPr/>
         </p:nvSpPr>
@@ -14586,7 +14586,7 @@
   <p:cSld>
     <p:spTree>
       <p:nvGrpSpPr>
-        <p:cNvPr id="182" name="Shape 182"/>
+        <p:cNvPr id="181" name="Shape 181"/>
         <p:cNvGrpSpPr/>
         <p:nvPr/>
       </p:nvGrpSpPr>
@@ -14600,7 +14600,7 @@
       </p:grpSpPr>
       <p:pic>
         <p:nvPicPr>
-          <p:cNvPr descr="Screen Shot 2016-12-19 at 4.28.08 AM.png" id="183" name="Shape 183"/>
+          <p:cNvPr descr="Screen Shot 2016-12-19 at 4.28.08 AM.png" id="182" name="Shape 182"/>
           <p:cNvPicPr preferRelativeResize="0"/>
           <p:nvPr/>
         </p:nvPicPr>
@@ -14628,7 +14628,7 @@
       </p:pic>
       <p:pic>
         <p:nvPicPr>
-          <p:cNvPr descr="Screen Shot 2016-12-19 at 4.27.18 AM.png" id="184" name="Shape 184"/>
+          <p:cNvPr descr="Screen Shot 2016-12-19 at 4.27.18 AM.png" id="183" name="Shape 183"/>
           <p:cNvPicPr preferRelativeResize="0"/>
           <p:nvPr/>
         </p:nvPicPr>
@@ -14656,7 +14656,7 @@
       </p:pic>
       <p:sp>
         <p:nvSpPr>
-          <p:cNvPr id="185" name="Shape 185"/>
+          <p:cNvPr id="184" name="Shape 184"/>
           <p:cNvSpPr/>
           <p:nvPr/>
         </p:nvSpPr>
@@ -14710,7 +14710,7 @@
   <p:cSld>
     <p:spTree>
       <p:nvGrpSpPr>
-        <p:cNvPr id="189" name="Shape 189"/>
+        <p:cNvPr id="188" name="Shape 188"/>
         <p:cNvGrpSpPr/>
         <p:nvPr/>
       </p:nvGrpSpPr>
@@ -14724,7 +14724,7 @@
       </p:grpSpPr>
       <p:pic>
         <p:nvPicPr>
-          <p:cNvPr descr="Screen Shot 2016-12-19 at 4.30.23 AM.png" id="190" name="Shape 190"/>
+          <p:cNvPr descr="Screen Shot 2016-12-19 at 4.30.23 AM.png" id="189" name="Shape 189"/>
           <p:cNvPicPr preferRelativeResize="0"/>
           <p:nvPr/>
         </p:nvPicPr>
@@ -14752,7 +14752,7 @@
       </p:pic>
       <p:pic>
         <p:nvPicPr>
-          <p:cNvPr descr="Screen Shot 2016-12-19 at 4.30.08 AM.png" id="191" name="Shape 191"/>
+          <p:cNvPr descr="Screen Shot 2016-12-19 at 4.30.08 AM.png" id="190" name="Shape 190"/>
           <p:cNvPicPr preferRelativeResize="0"/>
           <p:nvPr/>
         </p:nvPicPr>
@@ -14779,7 +14779,7 @@
       </p:pic>
       <p:pic>
         <p:nvPicPr>
-          <p:cNvPr descr="Screen Shot 2016-12-19 at 4.30.23 AM.png" id="192" name="Shape 192"/>
+          <p:cNvPr descr="Screen Shot 2016-12-19 at 4.30.23 AM.png" id="191" name="Shape 191"/>
           <p:cNvPicPr preferRelativeResize="0"/>
           <p:nvPr/>
         </p:nvPicPr>
@@ -14806,7 +14806,7 @@
       </p:pic>
       <p:sp>
         <p:nvSpPr>
-          <p:cNvPr id="193" name="Shape 193"/>
+          <p:cNvPr id="192" name="Shape 192"/>
           <p:cNvSpPr/>
           <p:nvPr/>
         </p:nvSpPr>
@@ -14860,7 +14860,7 @@
   <p:cSld>
     <p:spTree>
       <p:nvGrpSpPr>
-        <p:cNvPr id="197" name="Shape 197"/>
+        <p:cNvPr id="196" name="Shape 196"/>
         <p:cNvGrpSpPr/>
         <p:nvPr/>
       </p:nvGrpSpPr>
@@ -14874,7 +14874,7 @@
       </p:grpSpPr>
       <p:pic>
         <p:nvPicPr>
-          <p:cNvPr descr="Screen Shot 2016-12-19 at 4.29.41 AM.png" id="198" name="Shape 198"/>
+          <p:cNvPr descr="Screen Shot 2016-12-19 at 4.29.41 AM.png" id="197" name="Shape 197"/>
           <p:cNvPicPr preferRelativeResize="0"/>
           <p:nvPr/>
         </p:nvPicPr>
@@ -14902,7 +14902,7 @@
       </p:pic>
       <p:pic>
         <p:nvPicPr>
-          <p:cNvPr descr="Screen Shot 2016-12-19 at 4.30.08 AM.png" id="199" name="Shape 199"/>
+          <p:cNvPr descr="Screen Shot 2016-12-19 at 4.30.08 AM.png" id="198" name="Shape 198"/>
           <p:cNvPicPr preferRelativeResize="0"/>
           <p:nvPr/>
         </p:nvPicPr>
@@ -14929,7 +14929,7 @@
       </p:pic>
       <p:pic>
         <p:nvPicPr>
-          <p:cNvPr descr="Screen Shot 2016-12-19 at 4.30.23 AM.png" id="200" name="Shape 200"/>
+          <p:cNvPr descr="Screen Shot 2016-12-19 at 4.30.23 AM.png" id="199" name="Shape 199"/>
           <p:cNvPicPr preferRelativeResize="0"/>
           <p:nvPr/>
         </p:nvPicPr>
@@ -14956,7 +14956,7 @@
       </p:pic>
       <p:sp>
         <p:nvSpPr>
-          <p:cNvPr id="201" name="Shape 201"/>
+          <p:cNvPr id="200" name="Shape 200"/>
           <p:cNvSpPr/>
           <p:nvPr/>
         </p:nvSpPr>
@@ -15010,7 +15010,7 @@
   <p:cSld>
     <p:spTree>
       <p:nvGrpSpPr>
-        <p:cNvPr id="205" name="Shape 205"/>
+        <p:cNvPr id="204" name="Shape 204"/>
         <p:cNvGrpSpPr/>
         <p:nvPr/>
       </p:nvGrpSpPr>
@@ -15024,7 +15024,7 @@
       </p:grpSpPr>
       <p:sp>
         <p:nvSpPr>
-          <p:cNvPr id="206" name="Shape 206"/>
+          <p:cNvPr id="205" name="Shape 205"/>
           <p:cNvSpPr txBox="1"/>
           <p:nvPr>
             <p:ph type="title"/>
@@ -15089,7 +15089,7 @@
       </p:sp>
       <p:sp>
         <p:nvSpPr>
-          <p:cNvPr id="207" name="Shape 207"/>
+          <p:cNvPr id="206" name="Shape 206"/>
           <p:cNvSpPr txBox="1"/>
           <p:nvPr>
             <p:ph idx="1" type="body"/>
@@ -15176,31 +15176,6 @@
             </a:r>
           </a:p>
           <a:p>
-            <a:pPr indent="-228600" lvl="0" marL="228600" marR="0" rtl="0" algn="l">
-              <a:lnSpc>
-                <a:spcPct val="90000"/>
-              </a:lnSpc>
-              <a:spcBef>
-                <a:spcPts val="0"/>
-              </a:spcBef>
-              <a:buClr>
-                <a:schemeClr val="dk1"/>
-              </a:buClr>
-              <a:buSzPct val="100000"/>
-              <a:buFont typeface="Arial"/>
-              <a:buNone/>
-            </a:pPr>
-            <a:r>
-              <a:t/>
-            </a:r>
-            <a:endParaRPr sz="2800">
-              <a:latin typeface="Calibri"/>
-              <a:ea typeface="Calibri"/>
-              <a:cs typeface="Calibri"/>
-              <a:sym typeface="Calibri"/>
-            </a:endParaRPr>
-          </a:p>
-          <a:p>
             <a:pPr indent="50800" lvl="0" rtl="0">
               <a:lnSpc>
                 <a:spcPct val="90000"/>
@@ -15263,6 +15238,47 @@
             </a:endParaRPr>
           </a:p>
           <a:p>
+            <a:pPr indent="50800" lvl="0" rtl="0">
+              <a:lnSpc>
+                <a:spcPct val="90000"/>
+              </a:lnSpc>
+              <a:spcBef>
+                <a:spcPts val="0"/>
+              </a:spcBef>
+              <a:buSzPct val="100000"/>
+              <a:buFont typeface="Calibri"/>
+            </a:pPr>
+            <a:r>
+              <a:rPr lang="en-US" sz="2800">
+                <a:latin typeface="Calibri"/>
+                <a:ea typeface="Calibri"/>
+                <a:cs typeface="Calibri"/>
+                <a:sym typeface="Calibri"/>
+              </a:rPr>
+              <a:t>Average Rating - 16.17/20</a:t>
+            </a:r>
+          </a:p>
+          <a:p>
+            <a:pPr indent="0" lvl="0" marL="0" rtl="0">
+              <a:lnSpc>
+                <a:spcPct val="90000"/>
+              </a:lnSpc>
+              <a:spcBef>
+                <a:spcPts val="0"/>
+              </a:spcBef>
+              <a:buNone/>
+            </a:pPr>
+            <a:r>
+              <a:t/>
+            </a:r>
+            <a:endParaRPr sz="2800">
+              <a:latin typeface="Calibri"/>
+              <a:ea typeface="Calibri"/>
+              <a:cs typeface="Calibri"/>
+              <a:sym typeface="Calibri"/>
+            </a:endParaRPr>
+          </a:p>
+          <a:p>
             <a:pPr indent="-406400" lvl="0" marL="457200" rtl="0">
               <a:lnSpc>
                 <a:spcPct val="90000"/>
@@ -15307,7 +15323,7 @@
       </p:sp>
       <p:sp>
         <p:nvSpPr>
-          <p:cNvPr id="208" name="Shape 208"/>
+          <p:cNvPr id="207" name="Shape 207"/>
           <p:cNvSpPr/>
           <p:nvPr/>
         </p:nvSpPr>
@@ -15361,7 +15377,7 @@
   <p:cSld>
     <p:spTree>
       <p:nvGrpSpPr>
-        <p:cNvPr id="212" name="Shape 212"/>
+        <p:cNvPr id="211" name="Shape 211"/>
         <p:cNvGrpSpPr/>
         <p:nvPr/>
       </p:nvGrpSpPr>
@@ -15375,7 +15391,7 @@
       </p:grpSpPr>
       <p:pic>
         <p:nvPicPr>
-          <p:cNvPr descr="Screen Shot 2016-12-19 at 2.54.29 AM.png" id="213" name="Shape 213"/>
+          <p:cNvPr descr="Screen Shot 2016-12-19 at 2.54.29 AM.png" id="212" name="Shape 212"/>
           <p:cNvPicPr preferRelativeResize="0"/>
           <p:nvPr/>
         </p:nvPicPr>
@@ -15403,7 +15419,7 @@
       </p:pic>
       <p:sp>
         <p:nvSpPr>
-          <p:cNvPr id="214" name="Shape 214"/>
+          <p:cNvPr id="213" name="Shape 213"/>
           <p:cNvSpPr txBox="1"/>
           <p:nvPr/>
         </p:nvSpPr>
@@ -15441,7 +15457,7 @@
       </p:sp>
       <p:sp>
         <p:nvSpPr>
-          <p:cNvPr id="215" name="Shape 215"/>
+          <p:cNvPr id="214" name="Shape 214"/>
           <p:cNvSpPr/>
           <p:nvPr/>
         </p:nvSpPr>
@@ -15495,7 +15511,7 @@
   <p:cSld>
     <p:spTree>
       <p:nvGrpSpPr>
-        <p:cNvPr id="219" name="Shape 219"/>
+        <p:cNvPr id="218" name="Shape 218"/>
         <p:cNvGrpSpPr/>
         <p:nvPr/>
       </p:nvGrpSpPr>
@@ -15509,7 +15525,7 @@
       </p:grpSpPr>
       <p:pic>
         <p:nvPicPr>
-          <p:cNvPr descr="Screen Shot 2016-12-19 at 3.28.49 AM.png" id="220" name="Shape 220"/>
+          <p:cNvPr descr="Screen Shot 2016-12-19 at 3.28.49 AM.png" id="219" name="Shape 219"/>
           <p:cNvPicPr preferRelativeResize="0"/>
           <p:nvPr/>
         </p:nvPicPr>
@@ -15537,7 +15553,7 @@
       </p:pic>
       <p:sp>
         <p:nvSpPr>
-          <p:cNvPr id="221" name="Shape 221"/>
+          <p:cNvPr id="220" name="Shape 220"/>
           <p:cNvSpPr txBox="1"/>
           <p:nvPr/>
         </p:nvSpPr>
@@ -15575,7 +15591,7 @@
       </p:sp>
       <p:sp>
         <p:nvSpPr>
-          <p:cNvPr id="222" name="Shape 222"/>
+          <p:cNvPr id="221" name="Shape 221"/>
           <p:cNvSpPr txBox="1"/>
           <p:nvPr/>
         </p:nvSpPr>
@@ -15613,7 +15629,7 @@
       </p:sp>
       <p:sp>
         <p:nvSpPr>
-          <p:cNvPr id="223" name="Shape 223"/>
+          <p:cNvPr id="222" name="Shape 222"/>
           <p:cNvSpPr/>
           <p:nvPr/>
         </p:nvSpPr>
@@ -15667,7 +15683,7 @@
   <p:cSld>
     <p:spTree>
       <p:nvGrpSpPr>
-        <p:cNvPr id="227" name="Shape 227"/>
+        <p:cNvPr id="226" name="Shape 226"/>
         <p:cNvGrpSpPr/>
         <p:nvPr/>
       </p:nvGrpSpPr>
@@ -15681,7 +15697,7 @@
       </p:grpSpPr>
       <p:sp>
         <p:nvSpPr>
-          <p:cNvPr id="228" name="Shape 228"/>
+          <p:cNvPr id="227" name="Shape 227"/>
           <p:cNvSpPr txBox="1"/>
           <p:nvPr/>
         </p:nvSpPr>
@@ -15719,7 +15735,7 @@
       </p:sp>
       <p:sp>
         <p:nvSpPr>
-          <p:cNvPr id="229" name="Shape 229"/>
+          <p:cNvPr id="228" name="Shape 228"/>
           <p:cNvSpPr txBox="1"/>
           <p:nvPr/>
         </p:nvSpPr>
@@ -15757,7 +15773,7 @@
       </p:sp>
       <p:sp>
         <p:nvSpPr>
-          <p:cNvPr id="230" name="Shape 230"/>
+          <p:cNvPr id="229" name="Shape 229"/>
           <p:cNvSpPr txBox="1"/>
           <p:nvPr/>
         </p:nvSpPr>
@@ -15869,7 +15885,7 @@
       </p:sp>
       <p:sp>
         <p:nvSpPr>
-          <p:cNvPr id="231" name="Shape 231"/>
+          <p:cNvPr id="230" name="Shape 230"/>
           <p:cNvSpPr/>
           <p:nvPr/>
         </p:nvSpPr>
@@ -16094,7 +16110,7 @@
                 <a:cs typeface="Calibri"/>
                 <a:sym typeface="Calibri"/>
               </a:rPr>
-              <a:t>Recommendation system</a:t>
+              <a:t>Recommender system</a:t>
             </a:r>
           </a:p>
           <a:p>
@@ -16251,7 +16267,7 @@
   <p:cSld>
     <p:spTree>
       <p:nvGrpSpPr>
-        <p:cNvPr id="235" name="Shape 235"/>
+        <p:cNvPr id="234" name="Shape 234"/>
         <p:cNvGrpSpPr/>
         <p:nvPr/>
       </p:nvGrpSpPr>
@@ -16265,7 +16281,7 @@
       </p:grpSpPr>
       <p:sp>
         <p:nvSpPr>
-          <p:cNvPr id="236" name="Shape 236"/>
+          <p:cNvPr id="235" name="Shape 235"/>
           <p:cNvSpPr txBox="1"/>
           <p:nvPr/>
         </p:nvSpPr>
@@ -16311,7 +16327,7 @@
       </p:sp>
       <p:sp>
         <p:nvSpPr>
-          <p:cNvPr id="237" name="Shape 237"/>
+          <p:cNvPr id="236" name="Shape 236"/>
           <p:cNvSpPr/>
           <p:nvPr/>
         </p:nvSpPr>
@@ -16365,7 +16381,7 @@
   <p:cSld>
     <p:spTree>
       <p:nvGrpSpPr>
-        <p:cNvPr id="241" name="Shape 241"/>
+        <p:cNvPr id="240" name="Shape 240"/>
         <p:cNvGrpSpPr/>
         <p:nvPr/>
       </p:nvGrpSpPr>
@@ -16379,7 +16395,7 @@
       </p:grpSpPr>
       <p:pic>
         <p:nvPicPr>
-          <p:cNvPr id="242" name="Shape 242"/>
+          <p:cNvPr id="241" name="Shape 241"/>
           <p:cNvPicPr preferRelativeResize="0"/>
           <p:nvPr/>
         </p:nvPicPr>
@@ -16407,7 +16423,7 @@
       </p:pic>
       <p:sp>
         <p:nvSpPr>
-          <p:cNvPr id="243" name="Shape 243"/>
+          <p:cNvPr id="242" name="Shape 242"/>
           <p:cNvSpPr txBox="1"/>
           <p:nvPr>
             <p:ph type="title"/>
@@ -16463,7 +16479,7 @@
       </p:sp>
       <p:sp>
         <p:nvSpPr>
-          <p:cNvPr id="244" name="Shape 244"/>
+          <p:cNvPr id="243" name="Shape 243"/>
           <p:cNvSpPr/>
           <p:nvPr/>
         </p:nvSpPr>
@@ -16517,7 +16533,7 @@
   <p:cSld>
     <p:spTree>
       <p:nvGrpSpPr>
-        <p:cNvPr id="248" name="Shape 248"/>
+        <p:cNvPr id="247" name="Shape 247"/>
         <p:cNvGrpSpPr/>
         <p:nvPr/>
       </p:nvGrpSpPr>
@@ -16531,7 +16547,7 @@
       </p:grpSpPr>
       <p:sp>
         <p:nvSpPr>
-          <p:cNvPr id="249" name="Shape 249"/>
+          <p:cNvPr id="248" name="Shape 248"/>
           <p:cNvSpPr txBox="1"/>
           <p:nvPr>
             <p:ph type="title"/>
@@ -16587,7 +16603,7 @@
       </p:sp>
       <p:sp>
         <p:nvSpPr>
-          <p:cNvPr id="250" name="Shape 250"/>
+          <p:cNvPr id="249" name="Shape 249"/>
           <p:cNvSpPr txBox="1"/>
           <p:nvPr>
             <p:ph idx="1" type="body"/>
@@ -16756,7 +16772,7 @@
       </p:sp>
       <p:sp>
         <p:nvSpPr>
-          <p:cNvPr id="251" name="Shape 251"/>
+          <p:cNvPr id="250" name="Shape 250"/>
           <p:cNvSpPr/>
           <p:nvPr/>
         </p:nvSpPr>
@@ -16810,7 +16826,7 @@
   <p:cSld>
     <p:spTree>
       <p:nvGrpSpPr>
-        <p:cNvPr id="255" name="Shape 255"/>
+        <p:cNvPr id="254" name="Shape 254"/>
         <p:cNvGrpSpPr/>
         <p:nvPr/>
       </p:nvGrpSpPr>
@@ -16824,7 +16840,7 @@
       </p:grpSpPr>
       <p:sp>
         <p:nvSpPr>
-          <p:cNvPr id="256" name="Shape 256"/>
+          <p:cNvPr id="255" name="Shape 255"/>
           <p:cNvSpPr txBox="1"/>
           <p:nvPr>
             <p:ph type="title"/>
@@ -16880,7 +16896,7 @@
       </p:sp>
       <p:sp>
         <p:nvSpPr>
-          <p:cNvPr id="257" name="Shape 257"/>
+          <p:cNvPr id="256" name="Shape 256"/>
           <p:cNvSpPr txBox="1"/>
           <p:nvPr>
             <p:ph idx="1" type="body"/>
@@ -17147,7 +17163,7 @@
       </p:sp>
       <p:pic>
         <p:nvPicPr>
-          <p:cNvPr id="258" name="Shape 258"/>
+          <p:cNvPr id="257" name="Shape 257"/>
           <p:cNvPicPr preferRelativeResize="0"/>
           <p:nvPr/>
         </p:nvPicPr>
@@ -17174,7 +17190,7 @@
       </p:pic>
       <p:pic>
         <p:nvPicPr>
-          <p:cNvPr id="259" name="Shape 259"/>
+          <p:cNvPr id="258" name="Shape 258"/>
           <p:cNvPicPr preferRelativeResize="0"/>
           <p:nvPr/>
         </p:nvPicPr>
@@ -17201,7 +17217,7 @@
       </p:pic>
       <p:pic>
         <p:nvPicPr>
-          <p:cNvPr id="260" name="Shape 260"/>
+          <p:cNvPr id="259" name="Shape 259"/>
           <p:cNvPicPr preferRelativeResize="0"/>
           <p:nvPr/>
         </p:nvPicPr>
@@ -17228,7 +17244,7 @@
       </p:pic>
       <p:sp>
         <p:nvSpPr>
-          <p:cNvPr id="261" name="Shape 261"/>
+          <p:cNvPr id="260" name="Shape 260"/>
           <p:cNvSpPr/>
           <p:nvPr/>
         </p:nvSpPr>
@@ -17282,7 +17298,7 @@
   <p:cSld>
     <p:spTree>
       <p:nvGrpSpPr>
-        <p:cNvPr id="265" name="Shape 265"/>
+        <p:cNvPr id="264" name="Shape 264"/>
         <p:cNvGrpSpPr/>
         <p:nvPr/>
       </p:nvGrpSpPr>
@@ -17296,7 +17312,7 @@
       </p:grpSpPr>
       <p:sp>
         <p:nvSpPr>
-          <p:cNvPr id="266" name="Shape 266"/>
+          <p:cNvPr id="265" name="Shape 265"/>
           <p:cNvSpPr txBox="1"/>
           <p:nvPr>
             <p:ph type="title"/>
@@ -17352,7 +17368,7 @@
       </p:sp>
       <p:sp>
         <p:nvSpPr>
-          <p:cNvPr id="267" name="Shape 267"/>
+          <p:cNvPr id="266" name="Shape 266"/>
           <p:cNvSpPr txBox="1"/>
           <p:nvPr>
             <p:ph idx="1" type="body"/>
@@ -17436,7 +17452,7 @@
       </p:sp>
       <p:pic>
         <p:nvPicPr>
-          <p:cNvPr id="268" name="Shape 268"/>
+          <p:cNvPr id="267" name="Shape 267"/>
           <p:cNvPicPr preferRelativeResize="0"/>
           <p:nvPr/>
         </p:nvPicPr>
@@ -17463,7 +17479,7 @@
       </p:pic>
       <p:sp>
         <p:nvSpPr>
-          <p:cNvPr id="269" name="Shape 269"/>
+          <p:cNvPr id="268" name="Shape 268"/>
           <p:cNvSpPr/>
           <p:nvPr/>
         </p:nvSpPr>
@@ -17517,7 +17533,7 @@
   <p:cSld>
     <p:spTree>
       <p:nvGrpSpPr>
-        <p:cNvPr id="273" name="Shape 273"/>
+        <p:cNvPr id="272" name="Shape 272"/>
         <p:cNvGrpSpPr/>
         <p:nvPr/>
       </p:nvGrpSpPr>
@@ -17531,7 +17547,7 @@
       </p:grpSpPr>
       <p:sp>
         <p:nvSpPr>
-          <p:cNvPr id="274" name="Shape 274"/>
+          <p:cNvPr id="273" name="Shape 273"/>
           <p:cNvSpPr txBox="1"/>
           <p:nvPr>
             <p:ph type="title"/>
@@ -17590,7 +17606,7 @@
       </p:sp>
       <p:pic>
         <p:nvPicPr>
-          <p:cNvPr id="275" name="Shape 275"/>
+          <p:cNvPr id="274" name="Shape 274"/>
           <p:cNvPicPr preferRelativeResize="0"/>
           <p:nvPr/>
         </p:nvPicPr>
@@ -17618,7 +17634,7 @@
       </p:pic>
       <p:sp>
         <p:nvSpPr>
-          <p:cNvPr id="276" name="Shape 276"/>
+          <p:cNvPr id="275" name="Shape 275"/>
           <p:cNvSpPr/>
           <p:nvPr/>
         </p:nvSpPr>
@@ -17672,7 +17688,7 @@
   <p:cSld>
     <p:spTree>
       <p:nvGrpSpPr>
-        <p:cNvPr id="280" name="Shape 280"/>
+        <p:cNvPr id="279" name="Shape 279"/>
         <p:cNvGrpSpPr/>
         <p:nvPr/>
       </p:nvGrpSpPr>
@@ -17686,7 +17702,7 @@
       </p:grpSpPr>
       <p:sp>
         <p:nvSpPr>
-          <p:cNvPr id="281" name="Shape 281"/>
+          <p:cNvPr id="280" name="Shape 280"/>
           <p:cNvSpPr txBox="1"/>
           <p:nvPr>
             <p:ph type="title"/>
@@ -17742,7 +17758,7 @@
       </p:sp>
       <p:sp>
         <p:nvSpPr>
-          <p:cNvPr id="282" name="Shape 282"/>
+          <p:cNvPr id="281" name="Shape 281"/>
           <p:cNvSpPr txBox="1"/>
           <p:nvPr>
             <p:ph idx="1" type="body"/>
@@ -17888,7 +17904,7 @@
       </p:sp>
       <p:sp>
         <p:nvSpPr>
-          <p:cNvPr id="283" name="Shape 283"/>
+          <p:cNvPr id="282" name="Shape 282"/>
           <p:cNvSpPr/>
           <p:nvPr/>
         </p:nvSpPr>
@@ -17942,7 +17958,7 @@
   <p:cSld>
     <p:spTree>
       <p:nvGrpSpPr>
-        <p:cNvPr id="287" name="Shape 287"/>
+        <p:cNvPr id="286" name="Shape 286"/>
         <p:cNvGrpSpPr/>
         <p:nvPr/>
       </p:nvGrpSpPr>
@@ -17956,7 +17972,7 @@
       </p:grpSpPr>
       <p:sp>
         <p:nvSpPr>
-          <p:cNvPr id="288" name="Shape 288"/>
+          <p:cNvPr id="287" name="Shape 287"/>
           <p:cNvSpPr txBox="1"/>
           <p:nvPr>
             <p:ph type="title"/>
@@ -18021,7 +18037,7 @@
       </p:sp>
       <p:sp>
         <p:nvSpPr>
-          <p:cNvPr id="289" name="Shape 289"/>
+          <p:cNvPr id="288" name="Shape 288"/>
           <p:cNvSpPr txBox="1"/>
           <p:nvPr>
             <p:ph idx="1" type="body"/>
@@ -18094,7 +18110,7 @@
       </p:sp>
       <p:pic>
         <p:nvPicPr>
-          <p:cNvPr descr="Screen Shot 2016-12-17 at 11.58.16 PM.png" id="290" name="Shape 290"/>
+          <p:cNvPr descr="Screen Shot 2016-12-17 at 11.58.16 PM.png" id="289" name="Shape 289"/>
           <p:cNvPicPr preferRelativeResize="0"/>
           <p:nvPr/>
         </p:nvPicPr>
@@ -18122,7 +18138,7 @@
       </p:pic>
       <p:sp>
         <p:nvSpPr>
-          <p:cNvPr id="291" name="Shape 291"/>
+          <p:cNvPr id="290" name="Shape 290"/>
           <p:cNvSpPr/>
           <p:nvPr/>
         </p:nvSpPr>
@@ -18159,6 +18175,44 @@
                 <a:latin typeface="Arial"/>
               </a:rPr>
               <a:t>NK</a:t>
+            </a:r>
+          </a:p>
+        </p:txBody>
+      </p:sp>
+      <p:sp>
+        <p:nvSpPr>
+          <p:cNvPr id="291" name="Shape 291"/>
+          <p:cNvSpPr txBox="1"/>
+          <p:nvPr/>
+        </p:nvSpPr>
+        <p:spPr>
+          <a:xfrm>
+            <a:off x="2221475" y="6492025"/>
+            <a:ext cx="8028900" cy="210000"/>
+          </a:xfrm>
+          <a:prstGeom prst="rect">
+            <a:avLst/>
+          </a:prstGeom>
+          <a:noFill/>
+          <a:ln>
+            <a:noFill/>
+          </a:ln>
+        </p:spPr>
+        <p:txBody>
+          <a:bodyPr anchorCtr="0" anchor="t" bIns="91425" lIns="91425" rIns="91425" tIns="91425">
+            <a:noAutofit/>
+          </a:bodyPr>
+          <a:lstStyle/>
+          <a:p>
+            <a:pPr lvl="0">
+              <a:spcBef>
+                <a:spcPts val="0"/>
+              </a:spcBef>
+              <a:buNone/>
+            </a:pPr>
+            <a:r>
+              <a:rPr lang="en-US"/>
+              <a:t>https://databricks-training.s3.amazonaws.com/movie-recommendation-with-mllib.html</a:t>
             </a:r>
           </a:p>
         </p:txBody>
@@ -18610,7 +18664,7 @@
             </a:pPr>
             <a:r>
               <a:rPr lang="en-US" sz="1800"/>
-              <a:t>Item Latent Feature</a:t>
+              <a:t>Item Latent feature</a:t>
             </a:r>
           </a:p>
         </p:txBody>
@@ -18924,7 +18978,7 @@
             </a:pPr>
             <a:r>
               <a:rPr lang="en-US" sz="1800"/>
-              <a:t>Parameters</a:t>
+              <a:t>parameters</a:t>
             </a:r>
           </a:p>
         </p:txBody>
@@ -19041,8 +19095,8 @@
         </p:blipFill>
         <p:spPr>
           <a:xfrm>
-            <a:off x="8133824" y="430975"/>
-            <a:ext cx="4058175" cy="6340475"/>
+            <a:off x="7802579" y="0"/>
+            <a:ext cx="4389421" cy="6858001"/>
           </a:xfrm>
           <a:prstGeom prst="rect">
             <a:avLst/>
@@ -19615,7 +19669,7 @@
                 <a:cs typeface="Calibri"/>
                 <a:sym typeface="Calibri"/>
               </a:rPr>
-              <a:t>Hidden units can be thought of as binary latent factors </a:t>
+              <a:t>Hidden units can be thought of as latent features</a:t>
             </a:r>
           </a:p>
         </p:txBody>
@@ -20240,7 +20294,7 @@
                 <a:cs typeface="Calibri"/>
                 <a:sym typeface="Calibri"/>
               </a:rPr>
-              <a:t>Rank recommendations and output top 10</a:t>
+              <a:t>Rank recommendations and output top 5</a:t>
             </a:r>
           </a:p>
         </p:txBody>
@@ -20680,7 +20734,7 @@
                 <a:cs typeface="Calibri"/>
                 <a:sym typeface="Calibri"/>
               </a:rPr>
-              <a:t>workflow is important, also good to document workflow</a:t>
+              <a:t>Workflow is important, also good to document workflow</a:t>
             </a:r>
           </a:p>
           <a:p>
@@ -20867,6 +20921,24 @@
                 <a:cs typeface="Calibri"/>
                 <a:sym typeface="Calibri"/>
               </a:rPr>
+              <a:t>Add in more data</a:t>
+            </a:r>
+          </a:p>
+          <a:p>
+            <a:pPr indent="-419100" lvl="0" marL="457200" rtl="0">
+              <a:spcBef>
+                <a:spcPts val="0"/>
+              </a:spcBef>
+              <a:buSzPct val="100000"/>
+              <a:buFont typeface="Calibri"/>
+            </a:pPr>
+            <a:r>
+              <a:rPr lang="en-US" sz="3000">
+                <a:latin typeface="Calibri"/>
+                <a:ea typeface="Calibri"/>
+                <a:cs typeface="Calibri"/>
+                <a:sym typeface="Calibri"/>
+              </a:rPr>
               <a:t>Tune hyperparameters to get optimal single models</a:t>
             </a:r>
           </a:p>
@@ -21015,7 +21087,55 @@
                 <a:cs typeface="Trebuchet MS"/>
                 <a:sym typeface="Trebuchet MS"/>
               </a:rPr>
-              <a:t>We hope you Enjoyed Our Presentation,</a:t>
+              <a:t>We </a:t>
+            </a:r>
+            <a:r>
+              <a:rPr lang="en-US" sz="6000">
+                <a:solidFill>
+                  <a:srgbClr val="FFFFFF"/>
+                </a:solidFill>
+                <a:latin typeface="Trebuchet MS"/>
+                <a:ea typeface="Trebuchet MS"/>
+                <a:cs typeface="Trebuchet MS"/>
+                <a:sym typeface="Trebuchet MS"/>
+              </a:rPr>
+              <a:t>h</a:t>
+            </a:r>
+            <a:r>
+              <a:rPr lang="en-US" sz="6000">
+                <a:solidFill>
+                  <a:srgbClr val="FFFFFF"/>
+                </a:solidFill>
+                <a:latin typeface="Trebuchet MS"/>
+                <a:ea typeface="Trebuchet MS"/>
+                <a:cs typeface="Trebuchet MS"/>
+                <a:sym typeface="Trebuchet MS"/>
+              </a:rPr>
+              <a:t>ope </a:t>
+            </a:r>
+            <a:r>
+              <a:rPr lang="en-US" sz="6000">
+                <a:solidFill>
+                  <a:srgbClr val="FFFFFF"/>
+                </a:solidFill>
+                <a:latin typeface="Trebuchet MS"/>
+                <a:ea typeface="Trebuchet MS"/>
+                <a:cs typeface="Trebuchet MS"/>
+                <a:sym typeface="Trebuchet MS"/>
+              </a:rPr>
+              <a:t>y</a:t>
+            </a:r>
+            <a:r>
+              <a:rPr lang="en-US" sz="6000">
+                <a:solidFill>
+                  <a:srgbClr val="FFFFFF"/>
+                </a:solidFill>
+                <a:latin typeface="Trebuchet MS"/>
+                <a:ea typeface="Trebuchet MS"/>
+                <a:cs typeface="Trebuchet MS"/>
+                <a:sym typeface="Trebuchet MS"/>
+              </a:rPr>
+              <a:t>ou enjoyed our presentation,</a:t>
             </a:r>
           </a:p>
           <a:p>
@@ -21204,7 +21324,7 @@
                 <a:cs typeface="Calibri"/>
                 <a:sym typeface="Calibri"/>
               </a:rPr>
-              <a:t>Recommender can find similarly beers based on reviews</a:t>
+              <a:t>Recommender can find similar beers based on reviews</a:t>
             </a:r>
           </a:p>
           <a:p>
@@ -22353,7 +22473,7 @@
             <a:tbl>
               <a:tblPr>
                 <a:noFill/>
-                <a:tableStyleId>{51CB9B81-5679-446A-A38F-A247A7EF4F9D}</a:tableStyleId>
+                <a:tableStyleId>{F958F91E-8522-45DD-A33B-AC9E5CB2CEB9}</a:tableStyleId>
               </a:tblPr>
               <a:tblGrid>
                 <a:gridCol w="2284150"/>
@@ -23252,98 +23372,6 @@
       <p:sp>
         <p:nvSpPr>
           <p:cNvPr id="157" name="Shape 157"/>
-          <p:cNvSpPr txBox="1"/>
-          <p:nvPr>
-            <p:ph idx="1" type="body"/>
-          </p:nvPr>
-        </p:nvSpPr>
-        <p:spPr>
-          <a:xfrm>
-            <a:off x="8038225" y="123975"/>
-            <a:ext cx="4153800" cy="1209900"/>
-          </a:xfrm>
-          <a:prstGeom prst="rect">
-            <a:avLst/>
-          </a:prstGeom>
-          <a:noFill/>
-          <a:ln>
-            <a:noFill/>
-          </a:ln>
-        </p:spPr>
-        <p:txBody>
-          <a:bodyPr anchorCtr="0" anchor="t" bIns="45700" lIns="91425" rIns="91425" tIns="45700">
-            <a:noAutofit/>
-          </a:bodyPr>
-          <a:lstStyle/>
-          <a:p>
-            <a:pPr indent="-419100" lvl="0" marL="457200" rtl="0">
-              <a:spcBef>
-                <a:spcPts val="0"/>
-              </a:spcBef>
-              <a:buSzPct val="100000"/>
-              <a:buFont typeface="Calibri"/>
-            </a:pPr>
-            <a:r>
-              <a:rPr lang="en-US" sz="3000">
-                <a:latin typeface="Calibri"/>
-                <a:ea typeface="Calibri"/>
-                <a:cs typeface="Calibri"/>
-                <a:sym typeface="Calibri"/>
-              </a:rPr>
-              <a:t>~1200 beers</a:t>
-            </a:r>
-          </a:p>
-          <a:p>
-            <a:pPr indent="-419100" lvl="0" marL="457200" rtl="0">
-              <a:spcBef>
-                <a:spcPts val="0"/>
-              </a:spcBef>
-              <a:buSzPct val="100000"/>
-              <a:buFont typeface="Calibri"/>
-            </a:pPr>
-            <a:r>
-              <a:rPr lang="en-US" sz="3000">
-                <a:latin typeface="Calibri"/>
-                <a:ea typeface="Calibri"/>
-                <a:cs typeface="Calibri"/>
-                <a:sym typeface="Calibri"/>
-              </a:rPr>
-              <a:t>~16000 users</a:t>
-            </a:r>
-          </a:p>
-        </p:txBody>
-      </p:sp>
-      <p:pic>
-        <p:nvPicPr>
-          <p:cNvPr id="158" name="Shape 158"/>
-          <p:cNvPicPr preferRelativeResize="0"/>
-          <p:nvPr/>
-        </p:nvPicPr>
-        <p:blipFill>
-          <a:blip r:embed="rId3">
-            <a:alphaModFix/>
-          </a:blip>
-          <a:stretch>
-            <a:fillRect/>
-          </a:stretch>
-        </p:blipFill>
-        <p:spPr>
-          <a:xfrm>
-            <a:off x="2274825" y="1333862"/>
-            <a:ext cx="8258175" cy="5419725"/>
-          </a:xfrm>
-          <a:prstGeom prst="rect">
-            <a:avLst/>
-          </a:prstGeom>
-          <a:noFill/>
-          <a:ln>
-            <a:noFill/>
-          </a:ln>
-        </p:spPr>
-      </p:pic>
-      <p:sp>
-        <p:nvSpPr>
-          <p:cNvPr id="159" name="Shape 159"/>
           <p:cNvSpPr/>
           <p:nvPr/>
         </p:nvSpPr>
@@ -23384,6 +23412,34 @@
           </a:p>
         </p:txBody>
       </p:sp>
+      <p:pic>
+        <p:nvPicPr>
+          <p:cNvPr id="158" name="Shape 158"/>
+          <p:cNvPicPr preferRelativeResize="0"/>
+          <p:nvPr/>
+        </p:nvPicPr>
+        <p:blipFill>
+          <a:blip r:embed="rId3">
+            <a:alphaModFix/>
+          </a:blip>
+          <a:stretch>
+            <a:fillRect/>
+          </a:stretch>
+        </p:blipFill>
+        <p:spPr>
+          <a:xfrm>
+            <a:off x="3169900" y="1167100"/>
+            <a:ext cx="7843144" cy="5138299"/>
+          </a:xfrm>
+          <a:prstGeom prst="rect">
+            <a:avLst/>
+          </a:prstGeom>
+          <a:noFill/>
+          <a:ln>
+            <a:noFill/>
+          </a:ln>
+        </p:spPr>
+      </p:pic>
     </p:spTree>
   </p:cSld>
   <p:clrMapOvr>
@@ -23393,6 +23449,285 @@
 </file>
 
 <file path=ppt/theme/theme1.xml><?xml version="1.0" encoding="utf-8"?>
+<a:theme xmlns:a="http://schemas.openxmlformats.org/drawingml/2006/main" xmlns:r="http://schemas.openxmlformats.org/officeDocument/2006/relationships" name="Custom Theme">
+  <a:themeElements>
+    <a:clrScheme name="Default">
+      <a:dk1>
+        <a:srgbClr val="000000"/>
+      </a:dk1>
+      <a:lt1>
+        <a:srgbClr val="FFFFFF"/>
+      </a:lt1>
+      <a:dk2>
+        <a:srgbClr val="158158"/>
+      </a:dk2>
+      <a:lt2>
+        <a:srgbClr val="F3F3F3"/>
+      </a:lt2>
+      <a:accent1>
+        <a:srgbClr val="058DC7"/>
+      </a:accent1>
+      <a:accent2>
+        <a:srgbClr val="50B432"/>
+      </a:accent2>
+      <a:accent3>
+        <a:srgbClr val="ED561B"/>
+      </a:accent3>
+      <a:accent4>
+        <a:srgbClr val="EDEF00"/>
+      </a:accent4>
+      <a:accent5>
+        <a:srgbClr val="24CBE5"/>
+      </a:accent5>
+      <a:accent6>
+        <a:srgbClr val="64E572"/>
+      </a:accent6>
+      <a:hlink>
+        <a:srgbClr val="2200CC"/>
+      </a:hlink>
+      <a:folHlink>
+        <a:srgbClr val="551A8B"/>
+      </a:folHlink>
+    </a:clrScheme>
+    <a:fontScheme name="Office">
+      <a:majorFont>
+        <a:latin typeface="Arial"/>
+        <a:ea typeface=""/>
+        <a:cs typeface=""/>
+        <a:font script="Jpan" typeface="ＭＳ Ｐゴシック"/>
+        <a:font script="Hang" typeface="맑은 고딕"/>
+        <a:font script="Hans" typeface="宋体"/>
+        <a:font script="Hant" typeface="新細明體"/>
+        <a:font script="Arab" typeface="Times New Roman"/>
+        <a:font script="Hebr" typeface="Times New Roman"/>
+        <a:font script="Thai" typeface="Angsana New"/>
+        <a:font script="Ethi" typeface="Nyala"/>
+        <a:font script="Beng" typeface="Vrinda"/>
+        <a:font script="Gujr" typeface="Shruti"/>
+        <a:font script="Khmr" typeface="MoolBoran"/>
+        <a:font script="Knda" typeface="Tunga"/>
+        <a:font script="Guru" typeface="Raavi"/>
+        <a:font script="Cans" typeface="Euphemia"/>
+        <a:font script="Cher" typeface="Plantagenet Cherokee"/>
+        <a:font script="Yiii" typeface="Microsoft Yi Baiti"/>
+        <a:font script="Tibt" typeface="Microsoft Himalaya"/>
+        <a:font script="Thaa" typeface="MV Boli"/>
+        <a:font script="Deva" typeface="Mangal"/>
+        <a:font script="Telu" typeface="Gautami"/>
+        <a:font script="Taml" typeface="Latha"/>
+        <a:font script="Syrc" typeface="Estrangelo Edessa"/>
+        <a:font script="Orya" typeface="Kalinga"/>
+        <a:font script="Mlym" typeface="Kartika"/>
+        <a:font script="Laoo" typeface="DokChampa"/>
+        <a:font script="Sinh" typeface="Iskoola Pota"/>
+        <a:font script="Mong" typeface="Mongolian Baiti"/>
+        <a:font script="Viet" typeface="Times New Roman"/>
+        <a:font script="Uigh" typeface="Microsoft Uighur"/>
+        <a:font script="Geor" typeface="Sylfaen"/>
+      </a:majorFont>
+      <a:minorFont>
+        <a:latin typeface="Arial"/>
+        <a:ea typeface=""/>
+        <a:cs typeface=""/>
+        <a:font script="Jpan" typeface="ＭＳ Ｐゴシック"/>
+        <a:font script="Hang" typeface="맑은 고딕"/>
+        <a:font script="Hans" typeface="宋体"/>
+        <a:font script="Hant" typeface="新細明體"/>
+        <a:font script="Arab" typeface="Arial"/>
+        <a:font script="Hebr" typeface="Arial"/>
+        <a:font script="Thai" typeface="Cordia New"/>
+        <a:font script="Ethi" typeface="Nyala"/>
+        <a:font script="Beng" typeface="Vrinda"/>
+        <a:font script="Gujr" typeface="Shruti"/>
+        <a:font script="Khmr" typeface="DaunPenh"/>
+        <a:font script="Knda" typeface="Tunga"/>
+        <a:font script="Guru" typeface="Raavi"/>
+        <a:font script="Cans" typeface="Euphemia"/>
+        <a:font script="Cher" typeface="Plantagenet Cherokee"/>
+        <a:font script="Yiii" typeface="Microsoft Yi Baiti"/>
+        <a:font script="Tibt" typeface="Microsoft Himalaya"/>
+        <a:font script="Thaa" typeface="MV Boli"/>
+        <a:font script="Deva" typeface="Mangal"/>
+        <a:font script="Telu" typeface="Gautami"/>
+        <a:font script="Taml" typeface="Latha"/>
+        <a:font script="Syrc" typeface="Estrangelo Edessa"/>
+        <a:font script="Orya" typeface="Kalinga"/>
+        <a:font script="Mlym" typeface="Kartika"/>
+        <a:font script="Laoo" typeface="DokChampa"/>
+        <a:font script="Sinh" typeface="Iskoola Pota"/>
+        <a:font script="Mong" typeface="Mongolian Baiti"/>
+        <a:font script="Viet" typeface="Arial"/>
+        <a:font script="Uigh" typeface="Microsoft Uighur"/>
+        <a:font script="Geor" typeface="Sylfaen"/>
+      </a:minorFont>
+    </a:fontScheme>
+    <a:fmtScheme name="Office">
+      <a:fillStyleLst>
+        <a:solidFill>
+          <a:schemeClr val="phClr"/>
+        </a:solidFill>
+        <a:gradFill rotWithShape="1">
+          <a:gsLst>
+            <a:gs pos="0">
+              <a:schemeClr val="phClr">
+                <a:tint val="50000"/>
+                <a:satMod val="300000"/>
+              </a:schemeClr>
+            </a:gs>
+            <a:gs pos="35000">
+              <a:schemeClr val="phClr">
+                <a:tint val="37000"/>
+                <a:satMod val="300000"/>
+              </a:schemeClr>
+            </a:gs>
+            <a:gs pos="100000">
+              <a:schemeClr val="phClr">
+                <a:tint val="15000"/>
+                <a:satMod val="350000"/>
+              </a:schemeClr>
+            </a:gs>
+          </a:gsLst>
+          <a:lin ang="16200000" scaled="1"/>
+        </a:gradFill>
+        <a:gradFill rotWithShape="1">
+          <a:gsLst>
+            <a:gs pos="0">
+              <a:schemeClr val="phClr">
+                <a:tint val="100000"/>
+                <a:shade val="100000"/>
+                <a:satMod val="130000"/>
+              </a:schemeClr>
+            </a:gs>
+            <a:gs pos="100000">
+              <a:schemeClr val="phClr">
+                <a:tint val="50000"/>
+                <a:shade val="100000"/>
+                <a:satMod val="350000"/>
+              </a:schemeClr>
+            </a:gs>
+          </a:gsLst>
+          <a:lin ang="16200000" scaled="0"/>
+        </a:gradFill>
+      </a:fillStyleLst>
+      <a:lnStyleLst>
+        <a:ln w="9525" cap="flat" cmpd="sng" algn="ctr">
+          <a:solidFill>
+            <a:schemeClr val="phClr">
+              <a:shade val="95000"/>
+              <a:satMod val="105000"/>
+            </a:schemeClr>
+          </a:solidFill>
+          <a:prstDash val="solid"/>
+        </a:ln>
+        <a:ln w="25400" cap="flat" cmpd="sng" algn="ctr">
+          <a:solidFill>
+            <a:schemeClr val="phClr"/>
+          </a:solidFill>
+          <a:prstDash val="solid"/>
+        </a:ln>
+        <a:ln w="38100" cap="flat" cmpd="sng" algn="ctr">
+          <a:solidFill>
+            <a:schemeClr val="phClr"/>
+          </a:solidFill>
+          <a:prstDash val="solid"/>
+        </a:ln>
+      </a:lnStyleLst>
+      <a:effectStyleLst>
+        <a:effectStyle>
+          <a:effectLst>
+            <a:outerShdw blurRad="40000" dist="20000" dir="5400000" rotWithShape="0">
+              <a:srgbClr val="000000">
+                <a:alpha val="38000"/>
+              </a:srgbClr>
+            </a:outerShdw>
+          </a:effectLst>
+        </a:effectStyle>
+        <a:effectStyle>
+          <a:effectLst>
+            <a:outerShdw blurRad="40000" dist="23000" dir="5400000" rotWithShape="0">
+              <a:srgbClr val="000000">
+                <a:alpha val="35000"/>
+              </a:srgbClr>
+            </a:outerShdw>
+          </a:effectLst>
+        </a:effectStyle>
+        <a:effectStyle>
+          <a:effectLst>
+            <a:outerShdw blurRad="40000" dist="23000" dir="5400000" rotWithShape="0">
+              <a:srgbClr val="000000">
+                <a:alpha val="35000"/>
+              </a:srgbClr>
+            </a:outerShdw>
+          </a:effectLst>
+          <a:scene3d>
+            <a:camera prst="orthographicFront">
+              <a:rot lat="0" lon="0" rev="0"/>
+            </a:camera>
+            <a:lightRig rig="threePt" dir="t">
+              <a:rot lat="0" lon="0" rev="1200000"/>
+            </a:lightRig>
+          </a:scene3d>
+          <a:sp3d>
+            <a:bevelT w="63500" h="25400"/>
+          </a:sp3d>
+        </a:effectStyle>
+      </a:effectStyleLst>
+      <a:bgFillStyleLst>
+        <a:solidFill>
+          <a:schemeClr val="phClr"/>
+        </a:solidFill>
+        <a:gradFill rotWithShape="1">
+          <a:gsLst>
+            <a:gs pos="0">
+              <a:schemeClr val="phClr">
+                <a:tint val="40000"/>
+                <a:satMod val="350000"/>
+              </a:schemeClr>
+            </a:gs>
+            <a:gs pos="40000">
+              <a:schemeClr val="phClr">
+                <a:tint val="45000"/>
+                <a:shade val="99000"/>
+                <a:satMod val="350000"/>
+              </a:schemeClr>
+            </a:gs>
+            <a:gs pos="100000">
+              <a:schemeClr val="phClr">
+                <a:shade val="20000"/>
+                <a:satMod val="255000"/>
+              </a:schemeClr>
+            </a:gs>
+          </a:gsLst>
+          <a:path path="circle">
+            <a:fillToRect l="50000" t="-80000" r="50000" b="180000"/>
+          </a:path>
+        </a:gradFill>
+        <a:gradFill rotWithShape="1">
+          <a:gsLst>
+            <a:gs pos="0">
+              <a:schemeClr val="phClr">
+                <a:tint val="80000"/>
+                <a:satMod val="300000"/>
+              </a:schemeClr>
+            </a:gs>
+            <a:gs pos="100000">
+              <a:schemeClr val="phClr">
+                <a:shade val="30000"/>
+                <a:satMod val="200000"/>
+              </a:schemeClr>
+            </a:gs>
+          </a:gsLst>
+          <a:path path="circle">
+            <a:fillToRect l="50000" t="50000" r="50000" b="50000"/>
+          </a:path>
+        </a:gradFill>
+      </a:bgFillStyleLst>
+    </a:fmtScheme>
+  </a:themeElements>
+</a:theme>
+</file>
+
+<file path=ppt/theme/theme2.xml><?xml version="1.0" encoding="utf-8"?>
 <a:theme xmlns:a="http://schemas.openxmlformats.org/drawingml/2006/main" xmlns:r="http://schemas.openxmlformats.org/officeDocument/2006/relationships" name="Office Theme">
   <a:themeElements>
     <a:clrScheme name="Office">
@@ -23669,283 +24004,4 @@
     </a:fmtScheme>
   </a:themeElements>
 </a:theme>
-</file>
-
-<file path=ppt/theme/theme2.xml><?xml version="1.0" encoding="utf-8"?>
-<a:theme xmlns:a="http://schemas.openxmlformats.org/drawingml/2006/main" xmlns:r="http://schemas.openxmlformats.org/officeDocument/2006/relationships" name="Custom Theme">
-  <a:themeElements>
-    <a:clrScheme name="Default">
-      <a:dk1>
-        <a:srgbClr val="000000"/>
-      </a:dk1>
-      <a:lt1>
-        <a:srgbClr val="FFFFFF"/>
-      </a:lt1>
-      <a:dk2>
-        <a:srgbClr val="158158"/>
-      </a:dk2>
-      <a:lt2>
-        <a:srgbClr val="F3F3F3"/>
-      </a:lt2>
-      <a:accent1>
-        <a:srgbClr val="058DC7"/>
-      </a:accent1>
-      <a:accent2>
-        <a:srgbClr val="50B432"/>
-      </a:accent2>
-      <a:accent3>
-        <a:srgbClr val="ED561B"/>
-      </a:accent3>
-      <a:accent4>
-        <a:srgbClr val="EDEF00"/>
-      </a:accent4>
-      <a:accent5>
-        <a:srgbClr val="24CBE5"/>
-      </a:accent5>
-      <a:accent6>
-        <a:srgbClr val="64E572"/>
-      </a:accent6>
-      <a:hlink>
-        <a:srgbClr val="2200CC"/>
-      </a:hlink>
-      <a:folHlink>
-        <a:srgbClr val="551A8B"/>
-      </a:folHlink>
-    </a:clrScheme>
-    <a:fontScheme name="Office">
-      <a:majorFont>
-        <a:latin typeface="Arial"/>
-        <a:ea typeface=""/>
-        <a:cs typeface=""/>
-        <a:font script="Jpan" typeface="ＭＳ Ｐゴシック"/>
-        <a:font script="Hang" typeface="맑은 고딕"/>
-        <a:font script="Hans" typeface="宋体"/>
-        <a:font script="Hant" typeface="新細明體"/>
-        <a:font script="Arab" typeface="Times New Roman"/>
-        <a:font script="Hebr" typeface="Times New Roman"/>
-        <a:font script="Thai" typeface="Angsana New"/>
-        <a:font script="Ethi" typeface="Nyala"/>
-        <a:font script="Beng" typeface="Vrinda"/>
-        <a:font script="Gujr" typeface="Shruti"/>
-        <a:font script="Khmr" typeface="MoolBoran"/>
-        <a:font script="Knda" typeface="Tunga"/>
-        <a:font script="Guru" typeface="Raavi"/>
-        <a:font script="Cans" typeface="Euphemia"/>
-        <a:font script="Cher" typeface="Plantagenet Cherokee"/>
-        <a:font script="Yiii" typeface="Microsoft Yi Baiti"/>
-        <a:font script="Tibt" typeface="Microsoft Himalaya"/>
-        <a:font script="Thaa" typeface="MV Boli"/>
-        <a:font script="Deva" typeface="Mangal"/>
-        <a:font script="Telu" typeface="Gautami"/>
-        <a:font script="Taml" typeface="Latha"/>
-        <a:font script="Syrc" typeface="Estrangelo Edessa"/>
-        <a:font script="Orya" typeface="Kalinga"/>
-        <a:font script="Mlym" typeface="Kartika"/>
-        <a:font script="Laoo" typeface="DokChampa"/>
-        <a:font script="Sinh" typeface="Iskoola Pota"/>
-        <a:font script="Mong" typeface="Mongolian Baiti"/>
-        <a:font script="Viet" typeface="Times New Roman"/>
-        <a:font script="Uigh" typeface="Microsoft Uighur"/>
-        <a:font script="Geor" typeface="Sylfaen"/>
-      </a:majorFont>
-      <a:minorFont>
-        <a:latin typeface="Arial"/>
-        <a:ea typeface=""/>
-        <a:cs typeface=""/>
-        <a:font script="Jpan" typeface="ＭＳ Ｐゴシック"/>
-        <a:font script="Hang" typeface="맑은 고딕"/>
-        <a:font script="Hans" typeface="宋体"/>
-        <a:font script="Hant" typeface="新細明體"/>
-        <a:font script="Arab" typeface="Arial"/>
-        <a:font script="Hebr" typeface="Arial"/>
-        <a:font script="Thai" typeface="Cordia New"/>
-        <a:font script="Ethi" typeface="Nyala"/>
-        <a:font script="Beng" typeface="Vrinda"/>
-        <a:font script="Gujr" typeface="Shruti"/>
-        <a:font script="Khmr" typeface="DaunPenh"/>
-        <a:font script="Knda" typeface="Tunga"/>
-        <a:font script="Guru" typeface="Raavi"/>
-        <a:font script="Cans" typeface="Euphemia"/>
-        <a:font script="Cher" typeface="Plantagenet Cherokee"/>
-        <a:font script="Yiii" typeface="Microsoft Yi Baiti"/>
-        <a:font script="Tibt" typeface="Microsoft Himalaya"/>
-        <a:font script="Thaa" typeface="MV Boli"/>
-        <a:font script="Deva" typeface="Mangal"/>
-        <a:font script="Telu" typeface="Gautami"/>
-        <a:font script="Taml" typeface="Latha"/>
-        <a:font script="Syrc" typeface="Estrangelo Edessa"/>
-        <a:font script="Orya" typeface="Kalinga"/>
-        <a:font script="Mlym" typeface="Kartika"/>
-        <a:font script="Laoo" typeface="DokChampa"/>
-        <a:font script="Sinh" typeface="Iskoola Pota"/>
-        <a:font script="Mong" typeface="Mongolian Baiti"/>
-        <a:font script="Viet" typeface="Arial"/>
-        <a:font script="Uigh" typeface="Microsoft Uighur"/>
-        <a:font script="Geor" typeface="Sylfaen"/>
-      </a:minorFont>
-    </a:fontScheme>
-    <a:fmtScheme name="Office">
-      <a:fillStyleLst>
-        <a:solidFill>
-          <a:schemeClr val="phClr"/>
-        </a:solidFill>
-        <a:gradFill rotWithShape="1">
-          <a:gsLst>
-            <a:gs pos="0">
-              <a:schemeClr val="phClr">
-                <a:tint val="50000"/>
-                <a:satMod val="300000"/>
-              </a:schemeClr>
-            </a:gs>
-            <a:gs pos="35000">
-              <a:schemeClr val="phClr">
-                <a:tint val="37000"/>
-                <a:satMod val="300000"/>
-              </a:schemeClr>
-            </a:gs>
-            <a:gs pos="100000">
-              <a:schemeClr val="phClr">
-                <a:tint val="15000"/>
-                <a:satMod val="350000"/>
-              </a:schemeClr>
-            </a:gs>
-          </a:gsLst>
-          <a:lin ang="16200000" scaled="1"/>
-        </a:gradFill>
-        <a:gradFill rotWithShape="1">
-          <a:gsLst>
-            <a:gs pos="0">
-              <a:schemeClr val="phClr">
-                <a:tint val="100000"/>
-                <a:shade val="100000"/>
-                <a:satMod val="130000"/>
-              </a:schemeClr>
-            </a:gs>
-            <a:gs pos="100000">
-              <a:schemeClr val="phClr">
-                <a:tint val="50000"/>
-                <a:shade val="100000"/>
-                <a:satMod val="350000"/>
-              </a:schemeClr>
-            </a:gs>
-          </a:gsLst>
-          <a:lin ang="16200000" scaled="0"/>
-        </a:gradFill>
-      </a:fillStyleLst>
-      <a:lnStyleLst>
-        <a:ln w="9525" cap="flat" cmpd="sng" algn="ctr">
-          <a:solidFill>
-            <a:schemeClr val="phClr">
-              <a:shade val="95000"/>
-              <a:satMod val="105000"/>
-            </a:schemeClr>
-          </a:solidFill>
-          <a:prstDash val="solid"/>
-        </a:ln>
-        <a:ln w="25400" cap="flat" cmpd="sng" algn="ctr">
-          <a:solidFill>
-            <a:schemeClr val="phClr"/>
-          </a:solidFill>
-          <a:prstDash val="solid"/>
-        </a:ln>
-        <a:ln w="38100" cap="flat" cmpd="sng" algn="ctr">
-          <a:solidFill>
-            <a:schemeClr val="phClr"/>
-          </a:solidFill>
-          <a:prstDash val="solid"/>
-        </a:ln>
-      </a:lnStyleLst>
-      <a:effectStyleLst>
-        <a:effectStyle>
-          <a:effectLst>
-            <a:outerShdw blurRad="40000" dist="20000" dir="5400000" rotWithShape="0">
-              <a:srgbClr val="000000">
-                <a:alpha val="38000"/>
-              </a:srgbClr>
-            </a:outerShdw>
-          </a:effectLst>
-        </a:effectStyle>
-        <a:effectStyle>
-          <a:effectLst>
-            <a:outerShdw blurRad="40000" dist="23000" dir="5400000" rotWithShape="0">
-              <a:srgbClr val="000000">
-                <a:alpha val="35000"/>
-              </a:srgbClr>
-            </a:outerShdw>
-          </a:effectLst>
-        </a:effectStyle>
-        <a:effectStyle>
-          <a:effectLst>
-            <a:outerShdw blurRad="40000" dist="23000" dir="5400000" rotWithShape="0">
-              <a:srgbClr val="000000">
-                <a:alpha val="35000"/>
-              </a:srgbClr>
-            </a:outerShdw>
-          </a:effectLst>
-          <a:scene3d>
-            <a:camera prst="orthographicFront">
-              <a:rot lat="0" lon="0" rev="0"/>
-            </a:camera>
-            <a:lightRig rig="threePt" dir="t">
-              <a:rot lat="0" lon="0" rev="1200000"/>
-            </a:lightRig>
-          </a:scene3d>
-          <a:sp3d>
-            <a:bevelT w="63500" h="25400"/>
-          </a:sp3d>
-        </a:effectStyle>
-      </a:effectStyleLst>
-      <a:bgFillStyleLst>
-        <a:solidFill>
-          <a:schemeClr val="phClr"/>
-        </a:solidFill>
-        <a:gradFill rotWithShape="1">
-          <a:gsLst>
-            <a:gs pos="0">
-              <a:schemeClr val="phClr">
-                <a:tint val="40000"/>
-                <a:satMod val="350000"/>
-              </a:schemeClr>
-            </a:gs>
-            <a:gs pos="40000">
-              <a:schemeClr val="phClr">
-                <a:tint val="45000"/>
-                <a:shade val="99000"/>
-                <a:satMod val="350000"/>
-              </a:schemeClr>
-            </a:gs>
-            <a:gs pos="100000">
-              <a:schemeClr val="phClr">
-                <a:shade val="20000"/>
-                <a:satMod val="255000"/>
-              </a:schemeClr>
-            </a:gs>
-          </a:gsLst>
-          <a:path path="circle">
-            <a:fillToRect l="50000" t="-80000" r="50000" b="180000"/>
-          </a:path>
-        </a:gradFill>
-        <a:gradFill rotWithShape="1">
-          <a:gsLst>
-            <a:gs pos="0">
-              <a:schemeClr val="phClr">
-                <a:tint val="80000"/>
-                <a:satMod val="300000"/>
-              </a:schemeClr>
-            </a:gs>
-            <a:gs pos="100000">
-              <a:schemeClr val="phClr">
-                <a:shade val="30000"/>
-                <a:satMod val="200000"/>
-              </a:schemeClr>
-            </a:gs>
-          </a:gsLst>
-          <a:path path="circle">
-            <a:fillToRect l="50000" t="50000" r="50000" b="50000"/>
-          </a:path>
-        </a:gradFill>
-      </a:bgFillStyleLst>
-    </a:fmtScheme>
-  </a:themeElements>
-</a:theme>
 </file>